--- a/презентация_pygame.pptx
+++ b/презентация_pygame.pptx
@@ -282,6 +282,11 @@
       </a:defRPr>
     </a:lvl9pPr>
   </p:defaultTextStyle>
+  <p:extLst>
+    <p:ext uri="{EFAFB233-063F-42B5-8137-9DF3F51BA10A}">
+      <p15:sldGuideLst xmlns:p15="http://schemas.microsoft.com/office/powerpoint/2012/main"/>
+    </p:ext>
+  </p:extLst>
 </p:presentation>
 </file>
 
@@ -9428,6 +9433,7 @@
         <p:nvCxnSpPr>
           <p:cNvPr id="392" name="Google Shape;392;p39"/>
           <p:cNvCxnSpPr>
+            <a:cxnSpLocks/>
             <a:stCxn id="384" idx="3"/>
             <a:endCxn id="385" idx="1"/>
           </p:cNvCxnSpPr>
@@ -9515,6 +9521,7 @@
         <p:nvCxnSpPr>
           <p:cNvPr id="395" name="Google Shape;395;p39"/>
           <p:cNvCxnSpPr>
+            <a:cxnSpLocks/>
             <a:stCxn id="384" idx="2"/>
             <a:endCxn id="396" idx="0"/>
           </p:cNvCxnSpPr>
@@ -9749,46 +9756,6 @@
       </p:sp>
       <p:sp>
         <p:nvSpPr>
-          <p:cNvPr id="406" name="Google Shape;406;p39"/>
-          <p:cNvSpPr/>
-          <p:nvPr/>
-        </p:nvSpPr>
-        <p:spPr>
-          <a:xfrm>
-            <a:off x="7422825" y="3348550"/>
-            <a:ext cx="91500" cy="91500"/>
-          </a:xfrm>
-          <a:prstGeom prst="rect">
-            <a:avLst/>
-          </a:prstGeom>
-          <a:solidFill>
-            <a:schemeClr val="dk2"/>
-          </a:solidFill>
-          <a:ln>
-            <a:noFill/>
-          </a:ln>
-        </p:spPr>
-        <p:txBody>
-          <a:bodyPr spcFirstLastPara="1" wrap="square" lIns="91425" tIns="91425" rIns="91425" bIns="91425" anchor="ctr" anchorCtr="0">
-            <a:noAutofit/>
-          </a:bodyPr>
-          <a:lstStyle/>
-          <a:p>
-            <a:pPr marL="0" lvl="0" indent="0" algn="l" rtl="0">
-              <a:spcBef>
-                <a:spcPts val="0"/>
-              </a:spcBef>
-              <a:spcAft>
-                <a:spcPts val="0"/>
-              </a:spcAft>
-              <a:buNone/>
-            </a:pPr>
-            <a:endParaRPr/>
-          </a:p>
-        </p:txBody>
-      </p:sp>
-      <p:sp>
-        <p:nvSpPr>
           <p:cNvPr id="407" name="Google Shape;407;p39"/>
           <p:cNvSpPr txBox="1"/>
           <p:nvPr/>
@@ -9971,64 +9938,6 @@
                 <a:sym typeface="Kanit Light"/>
               </a:rPr>
               <a:t>3 УРОВЕНЬ</a:t>
-            </a:r>
-            <a:endParaRPr sz="1200" dirty="0">
-              <a:solidFill>
-                <a:schemeClr val="dk1"/>
-              </a:solidFill>
-              <a:latin typeface="Kanit Light"/>
-              <a:ea typeface="Kanit Light"/>
-              <a:cs typeface="Kanit Light"/>
-              <a:sym typeface="Kanit Light"/>
-            </a:endParaRPr>
-          </a:p>
-        </p:txBody>
-      </p:sp>
-      <p:sp>
-        <p:nvSpPr>
-          <p:cNvPr id="410" name="Google Shape;410;p39"/>
-          <p:cNvSpPr txBox="1"/>
-          <p:nvPr/>
-        </p:nvSpPr>
-        <p:spPr>
-          <a:xfrm flipH="1">
-            <a:off x="6604875" y="3868927"/>
-            <a:ext cx="1812300" cy="610200"/>
-          </a:xfrm>
-          <a:prstGeom prst="rect">
-            <a:avLst/>
-          </a:prstGeom>
-          <a:noFill/>
-          <a:ln>
-            <a:noFill/>
-          </a:ln>
-        </p:spPr>
-        <p:txBody>
-          <a:bodyPr spcFirstLastPara="1" wrap="square" lIns="91425" tIns="91425" rIns="91425" bIns="91425" anchor="t" anchorCtr="0">
-            <a:noAutofit/>
-          </a:bodyPr>
-          <a:lstStyle/>
-          <a:p>
-            <a:pPr marL="0" lvl="0" indent="0" algn="ctr" rtl="0">
-              <a:spcBef>
-                <a:spcPts val="0"/>
-              </a:spcBef>
-              <a:spcAft>
-                <a:spcPts val="0"/>
-              </a:spcAft>
-              <a:buNone/>
-            </a:pPr>
-            <a:r>
-              <a:rPr lang="ru-RU" sz="1200" dirty="0">
-                <a:solidFill>
-                  <a:schemeClr val="dk1"/>
-                </a:solidFill>
-                <a:latin typeface="Kanit Light"/>
-                <a:ea typeface="Kanit Light"/>
-                <a:cs typeface="Kanit Light"/>
-                <a:sym typeface="Kanit Light"/>
-              </a:rPr>
-              <a:t>МИНИ-ИГРА ПОГОНЯ</a:t>
             </a:r>
             <a:endParaRPr sz="1200" dirty="0">
               <a:solidFill>
@@ -10083,35 +9992,6 @@
         <p:spPr>
           <a:xfrm>
             <a:off x="3586525" y="3394300"/>
-            <a:ext cx="1872300" cy="0"/>
-          </a:xfrm>
-          <a:prstGeom prst="straightConnector1">
-            <a:avLst/>
-          </a:prstGeom>
-          <a:noFill/>
-          <a:ln w="9525" cap="flat" cmpd="sng">
-            <a:solidFill>
-              <a:schemeClr val="lt2"/>
-            </a:solidFill>
-            <a:prstDash val="solid"/>
-            <a:round/>
-            <a:headEnd type="none" w="med" len="med"/>
-            <a:tailEnd type="none" w="med" len="med"/>
-          </a:ln>
-        </p:spPr>
-      </p:cxnSp>
-      <p:cxnSp>
-        <p:nvCxnSpPr>
-          <p:cNvPr id="413" name="Google Shape;413;p39"/>
-          <p:cNvCxnSpPr>
-            <a:stCxn id="405" idx="3"/>
-            <a:endCxn id="406" idx="1"/>
-          </p:cNvCxnSpPr>
-          <p:nvPr/>
-        </p:nvCxnSpPr>
-        <p:spPr>
-          <a:xfrm>
-            <a:off x="5550425" y="3394300"/>
             <a:ext cx="1872300" cy="0"/>
           </a:xfrm>
           <a:prstGeom prst="straightConnector1">
@@ -10199,35 +10079,6 @@
         <p:spPr>
           <a:xfrm>
             <a:off x="5504675" y="3440050"/>
-            <a:ext cx="0" cy="324600"/>
-          </a:xfrm>
-          <a:prstGeom prst="straightConnector1">
-            <a:avLst/>
-          </a:prstGeom>
-          <a:noFill/>
-          <a:ln w="9525" cap="flat" cmpd="sng">
-            <a:solidFill>
-              <a:schemeClr val="lt2"/>
-            </a:solidFill>
-            <a:prstDash val="solid"/>
-            <a:round/>
-            <a:headEnd type="none" w="med" len="med"/>
-            <a:tailEnd type="none" w="med" len="med"/>
-          </a:ln>
-        </p:spPr>
-      </p:cxnSp>
-      <p:cxnSp>
-        <p:nvCxnSpPr>
-          <p:cNvPr id="420" name="Google Shape;420;p39"/>
-          <p:cNvCxnSpPr>
-            <a:stCxn id="406" idx="2"/>
-            <a:endCxn id="421" idx="0"/>
-          </p:cNvCxnSpPr>
-          <p:nvPr/>
-        </p:nvCxnSpPr>
-        <p:spPr>
-          <a:xfrm>
-            <a:off x="7468575" y="3440050"/>
             <a:ext cx="0" cy="324600"/>
           </a:xfrm>
           <a:prstGeom prst="straightConnector1">
@@ -10549,7 +10400,7 @@
         </p:nvSpPr>
         <p:spPr>
           <a:xfrm>
-            <a:off x="1055850" y="3580700"/>
+            <a:off x="2315028" y="3580700"/>
             <a:ext cx="3048300" cy="1027800"/>
           </a:xfrm>
           <a:prstGeom prst="rect">
@@ -10574,48 +10425,6 @@
             <a:r>
               <a:rPr lang="ru-RU" dirty="0"/>
               <a:t>СКОРЕЕ УБЕГАЙТЕ ОТ ЖУТКОГО ВЛАДЕЛЬЦА КОММУНАЛКИ, ЧТОБЫ ОСТАТЬСЯ В ЖИВЫХ. БУДЬТЕ АККУРАТНЫ! </a:t>
-            </a:r>
-            <a:endParaRPr dirty="0"/>
-          </a:p>
-        </p:txBody>
-      </p:sp>
-      <p:sp>
-        <p:nvSpPr>
-          <p:cNvPr id="294" name="Google Shape;294;p33"/>
-          <p:cNvSpPr txBox="1">
-            <a:spLocks noGrp="1"/>
-          </p:cNvSpPr>
-          <p:nvPr>
-            <p:ph type="subTitle" idx="5"/>
-          </p:nvPr>
-        </p:nvSpPr>
-        <p:spPr>
-          <a:xfrm>
-            <a:off x="5039850" y="3580700"/>
-            <a:ext cx="3048300" cy="1027800"/>
-          </a:xfrm>
-          <a:prstGeom prst="rect">
-            <a:avLst/>
-          </a:prstGeom>
-        </p:spPr>
-        <p:txBody>
-          <a:bodyPr spcFirstLastPara="1" wrap="square" lIns="91425" tIns="91425" rIns="91425" bIns="91425" anchor="t" anchorCtr="0">
-            <a:noAutofit/>
-          </a:bodyPr>
-          <a:lstStyle/>
-          <a:p>
-            <a:pPr marL="0" lvl="0" indent="0" algn="ctr" rtl="0">
-              <a:spcBef>
-                <a:spcPts val="0"/>
-              </a:spcBef>
-              <a:spcAft>
-                <a:spcPts val="0"/>
-              </a:spcAft>
-              <a:buNone/>
-            </a:pPr>
-            <a:r>
-              <a:rPr lang="ru-RU" dirty="0"/>
-              <a:t>ВАМ НУЖНО СРОЧНО ДОГНАТЬ МАЛЕНЬКОГО МАЛЬЧИКА, КОТОРЫЙ ИМЕЕТ ВАЖНУЮ ДЛЯ ВАС ИНФОРМАЦИЮ. УСПЕЙТЕ ПРЕОДОЛЕТЬ ПРЕПЯТСТВИЯ ЗА ОТВЕДЕННОЕ ВРЕМЯ</a:t>
             </a:r>
             <a:endParaRPr dirty="0"/>
           </a:p>
@@ -10717,7 +10526,7 @@
         </p:nvSpPr>
         <p:spPr>
           <a:xfrm>
-            <a:off x="1055850" y="3054800"/>
+            <a:off x="2315028" y="3054800"/>
             <a:ext cx="3048300" cy="525900"/>
           </a:xfrm>
           <a:prstGeom prst="rect">
@@ -10784,48 +10593,6 @@
             <a:r>
               <a:rPr lang="ru-RU" dirty="0"/>
               <a:t>СОН</a:t>
-            </a:r>
-            <a:endParaRPr dirty="0"/>
-          </a:p>
-        </p:txBody>
-      </p:sp>
-      <p:sp>
-        <p:nvSpPr>
-          <p:cNvPr id="299" name="Google Shape;299;p33"/>
-          <p:cNvSpPr txBox="1">
-            <a:spLocks noGrp="1"/>
-          </p:cNvSpPr>
-          <p:nvPr>
-            <p:ph type="subTitle" idx="8"/>
-          </p:nvPr>
-        </p:nvSpPr>
-        <p:spPr>
-          <a:xfrm>
-            <a:off x="5039850" y="3054800"/>
-            <a:ext cx="3048300" cy="525900"/>
-          </a:xfrm>
-          <a:prstGeom prst="rect">
-            <a:avLst/>
-          </a:prstGeom>
-        </p:spPr>
-        <p:txBody>
-          <a:bodyPr spcFirstLastPara="1" wrap="square" lIns="91425" tIns="91425" rIns="91425" bIns="91425" anchor="b" anchorCtr="0">
-            <a:noAutofit/>
-          </a:bodyPr>
-          <a:lstStyle/>
-          <a:p>
-            <a:pPr marL="0" lvl="0" indent="0" algn="ctr" rtl="0">
-              <a:spcBef>
-                <a:spcPts val="0"/>
-              </a:spcBef>
-              <a:spcAft>
-                <a:spcPts val="0"/>
-              </a:spcAft>
-              <a:buNone/>
-            </a:pPr>
-            <a:r>
-              <a:rPr lang="ru-RU" dirty="0"/>
-              <a:t>ПОГОНЯ</a:t>
             </a:r>
             <a:endParaRPr dirty="0"/>
           </a:p>
